--- a/WTWY_GalaPresentation.pptx
+++ b/WTWY_GalaPresentation.pptx
@@ -110,6 +110,11 @@
       </a:defRPr>
     </a:lvl9pPr>
   </p:defaultTextStyle>
+  <p:extLst>
+    <p:ext uri="{EFAFB233-063F-42B5-8137-9DF3F51BA10A}">
+      <p15:sldGuideLst xmlns:p15="http://schemas.microsoft.com/office/powerpoint/2012/main"/>
+    </p:ext>
+  </p:extLst>
 </p:presentation>
 </file>
 
@@ -260,7 +265,7 @@
           <a:p>
             <a:fld id="{8D00CF93-AD8C-7248-B776-9EEF71C98E16}" type="datetimeFigureOut">
               <a:rPr lang="en-US" smtClean="0"/>
-              <a:t>1/7/20</a:t>
+              <a:t>1/8/20</a:t>
             </a:fld>
             <a:endParaRPr lang="en-US"/>
           </a:p>
@@ -458,7 +463,7 @@
           <a:p>
             <a:fld id="{8D00CF93-AD8C-7248-B776-9EEF71C98E16}" type="datetimeFigureOut">
               <a:rPr lang="en-US" smtClean="0"/>
-              <a:t>1/7/20</a:t>
+              <a:t>1/8/20</a:t>
             </a:fld>
             <a:endParaRPr lang="en-US"/>
           </a:p>
@@ -666,7 +671,7 @@
           <a:p>
             <a:fld id="{8D00CF93-AD8C-7248-B776-9EEF71C98E16}" type="datetimeFigureOut">
               <a:rPr lang="en-US" smtClean="0"/>
-              <a:t>1/7/20</a:t>
+              <a:t>1/8/20</a:t>
             </a:fld>
             <a:endParaRPr lang="en-US"/>
           </a:p>
@@ -864,7 +869,7 @@
           <a:p>
             <a:fld id="{8D00CF93-AD8C-7248-B776-9EEF71C98E16}" type="datetimeFigureOut">
               <a:rPr lang="en-US" smtClean="0"/>
-              <a:t>1/7/20</a:t>
+              <a:t>1/8/20</a:t>
             </a:fld>
             <a:endParaRPr lang="en-US"/>
           </a:p>
@@ -1139,7 +1144,7 @@
           <a:p>
             <a:fld id="{8D00CF93-AD8C-7248-B776-9EEF71C98E16}" type="datetimeFigureOut">
               <a:rPr lang="en-US" smtClean="0"/>
-              <a:t>1/7/20</a:t>
+              <a:t>1/8/20</a:t>
             </a:fld>
             <a:endParaRPr lang="en-US"/>
           </a:p>
@@ -1404,7 +1409,7 @@
           <a:p>
             <a:fld id="{8D00CF93-AD8C-7248-B776-9EEF71C98E16}" type="datetimeFigureOut">
               <a:rPr lang="en-US" smtClean="0"/>
-              <a:t>1/7/20</a:t>
+              <a:t>1/8/20</a:t>
             </a:fld>
             <a:endParaRPr lang="en-US"/>
           </a:p>
@@ -1816,7 +1821,7 @@
           <a:p>
             <a:fld id="{8D00CF93-AD8C-7248-B776-9EEF71C98E16}" type="datetimeFigureOut">
               <a:rPr lang="en-US" smtClean="0"/>
-              <a:t>1/7/20</a:t>
+              <a:t>1/8/20</a:t>
             </a:fld>
             <a:endParaRPr lang="en-US"/>
           </a:p>
@@ -1957,7 +1962,7 @@
           <a:p>
             <a:fld id="{8D00CF93-AD8C-7248-B776-9EEF71C98E16}" type="datetimeFigureOut">
               <a:rPr lang="en-US" smtClean="0"/>
-              <a:t>1/7/20</a:t>
+              <a:t>1/8/20</a:t>
             </a:fld>
             <a:endParaRPr lang="en-US"/>
           </a:p>
@@ -2070,7 +2075,7 @@
           <a:p>
             <a:fld id="{8D00CF93-AD8C-7248-B776-9EEF71C98E16}" type="datetimeFigureOut">
               <a:rPr lang="en-US" smtClean="0"/>
-              <a:t>1/7/20</a:t>
+              <a:t>1/8/20</a:t>
             </a:fld>
             <a:endParaRPr lang="en-US"/>
           </a:p>
@@ -2381,7 +2386,7 @@
           <a:p>
             <a:fld id="{8D00CF93-AD8C-7248-B776-9EEF71C98E16}" type="datetimeFigureOut">
               <a:rPr lang="en-US" smtClean="0"/>
-              <a:t>1/7/20</a:t>
+              <a:t>1/8/20</a:t>
             </a:fld>
             <a:endParaRPr lang="en-US"/>
           </a:p>
@@ -2669,7 +2674,7 @@
           <a:p>
             <a:fld id="{8D00CF93-AD8C-7248-B776-9EEF71C98E16}" type="datetimeFigureOut">
               <a:rPr lang="en-US" smtClean="0"/>
-              <a:t>1/7/20</a:t>
+              <a:t>1/8/20</a:t>
             </a:fld>
             <a:endParaRPr lang="en-US"/>
           </a:p>
@@ -2910,7 +2915,7 @@
           <a:p>
             <a:fld id="{8D00CF93-AD8C-7248-B776-9EEF71C98E16}" type="datetimeFigureOut">
               <a:rPr lang="en-US" smtClean="0"/>
-              <a:t>1/7/20</a:t>
+              <a:t>1/8/20</a:t>
             </a:fld>
             <a:endParaRPr lang="en-US"/>
           </a:p>
@@ -3491,6 +3496,20 @@
             </a:r>
           </a:p>
           <a:p>
+            <a:pPr lvl="1"/>
+            <a:r>
+              <a:rPr lang="en-US" dirty="0"/>
+              <a:t>To identify the highest traffic subway stations</a:t>
+            </a:r>
+          </a:p>
+          <a:p>
+            <a:pPr lvl="1"/>
+            <a:r>
+              <a:rPr lang="en-US" dirty="0"/>
+              <a:t>To identify areas with high concentration of tech companies and women’s health services</a:t>
+            </a:r>
+          </a:p>
+          <a:p>
             <a:r>
               <a:rPr lang="en-US" dirty="0"/>
               <a:t>Goals</a:t>
@@ -3826,7 +3845,16 @@
           <a:bodyPr/>
           <a:lstStyle/>
           <a:p>
-            <a:endParaRPr lang="en-US"/>
+            <a:r>
+              <a:rPr lang="en-US" dirty="0"/>
+              <a:t>We would take into consideration the location of the gala and additionally place street teams by the closest subway stations</a:t>
+            </a:r>
+          </a:p>
+          <a:p>
+            <a:pPr marL="0" indent="0">
+              <a:buNone/>
+            </a:pPr>
+            <a:endParaRPr lang="en-US" dirty="0"/>
           </a:p>
         </p:txBody>
       </p:sp>

--- a/WTWY_GalaPresentation.pptx
+++ b/WTWY_GalaPresentation.pptx
@@ -9,9 +9,10 @@
     <p:sldId id="257" r:id="rId3"/>
     <p:sldId id="258" r:id="rId4"/>
     <p:sldId id="259" r:id="rId5"/>
-    <p:sldId id="260" r:id="rId6"/>
-    <p:sldId id="261" r:id="rId7"/>
-    <p:sldId id="262" r:id="rId8"/>
+    <p:sldId id="263" r:id="rId6"/>
+    <p:sldId id="260" r:id="rId7"/>
+    <p:sldId id="261" r:id="rId8"/>
+    <p:sldId id="262" r:id="rId9"/>
   </p:sldIdLst>
   <p:sldSz cx="12192000" cy="6858000"/>
   <p:notesSz cx="6858000" cy="9144000"/>
@@ -3367,7 +3368,7 @@
             </a:br>
             <a:r>
               <a:rPr lang="en-US" dirty="0"/>
-              <a:t>Gala Ticket Sales</a:t>
+              <a:t>Summer Gala Ticket Sales</a:t>
             </a:r>
           </a:p>
         </p:txBody>
@@ -3490,6 +3491,13 @@
             </a:r>
           </a:p>
           <a:p>
+            <a:pPr lvl="1"/>
+            <a:r>
+              <a:rPr lang="en-US" dirty="0"/>
+              <a:t>We want to find the most efficient subway stations to place street teams </a:t>
+            </a:r>
+          </a:p>
+          <a:p>
             <a:r>
               <a:rPr lang="en-US" dirty="0"/>
               <a:t>Objectives</a:t>
@@ -3575,28 +3583,160 @@
           </a:p>
         </p:txBody>
       </p:sp>
-      <p:sp>
-        <p:nvSpPr>
-          <p:cNvPr id="3" name="Content Placeholder 2">
-            <a:extLst>
-              <a:ext uri="{FF2B5EF4-FFF2-40B4-BE49-F238E27FC236}">
-                <a16:creationId xmlns:a16="http://schemas.microsoft.com/office/drawing/2014/main" id="{13CA59AE-ADB3-884C-90C9-A53DA6489BCB}"/>
-              </a:ext>
-            </a:extLst>
-          </p:cNvPr>
-          <p:cNvSpPr>
-            <a:spLocks noGrp="1"/>
-          </p:cNvSpPr>
+      <p:pic>
+        <p:nvPicPr>
+          <p:cNvPr id="6" name="Content Placeholder 5">
+            <a:extLst>
+              <a:ext uri="{FF2B5EF4-FFF2-40B4-BE49-F238E27FC236}">
+                <a16:creationId xmlns:a16="http://schemas.microsoft.com/office/drawing/2014/main" id="{E3BEB60B-71EF-0841-8474-790FEB457134}"/>
+              </a:ext>
+            </a:extLst>
+          </p:cNvPr>
+          <p:cNvPicPr>
+            <a:picLocks noGrp="1" noChangeAspect="1"/>
+          </p:cNvPicPr>
           <p:nvPr>
             <p:ph idx="1"/>
           </p:nvPr>
-        </p:nvSpPr>
-        <p:spPr/>
-        <p:txBody>
-          <a:bodyPr/>
-          <a:lstStyle/>
-          <a:p>
-            <a:endParaRPr lang="en-US"/>
+        </p:nvPicPr>
+        <p:blipFill>
+          <a:blip r:embed="rId2"/>
+          <a:stretch>
+            <a:fillRect/>
+          </a:stretch>
+        </p:blipFill>
+        <p:spPr>
+          <a:xfrm>
+            <a:off x="7419196" y="2741137"/>
+            <a:ext cx="1905000" cy="1905000"/>
+          </a:xfrm>
+          <a:prstGeom prst="rect">
+            <a:avLst/>
+          </a:prstGeom>
+        </p:spPr>
+      </p:pic>
+      <p:pic>
+        <p:nvPicPr>
+          <p:cNvPr id="4" name="Picture 3">
+            <a:extLst>
+              <a:ext uri="{FF2B5EF4-FFF2-40B4-BE49-F238E27FC236}">
+                <a16:creationId xmlns:a16="http://schemas.microsoft.com/office/drawing/2014/main" id="{274AC822-E681-2243-B41A-D46B10D5A2AE}"/>
+              </a:ext>
+            </a:extLst>
+          </p:cNvPr>
+          <p:cNvPicPr>
+            <a:picLocks noChangeAspect="1"/>
+          </p:cNvPicPr>
+          <p:nvPr/>
+        </p:nvPicPr>
+        <p:blipFill>
+          <a:blip r:embed="rId3"/>
+          <a:stretch>
+            <a:fillRect/>
+          </a:stretch>
+        </p:blipFill>
+        <p:spPr>
+          <a:xfrm>
+            <a:off x="2237070" y="3014505"/>
+            <a:ext cx="1422400" cy="1422400"/>
+          </a:xfrm>
+          <a:prstGeom prst="rect">
+            <a:avLst/>
+          </a:prstGeom>
+        </p:spPr>
+      </p:pic>
+      <p:pic>
+        <p:nvPicPr>
+          <p:cNvPr id="5" name="Picture 4">
+            <a:extLst>
+              <a:ext uri="{FF2B5EF4-FFF2-40B4-BE49-F238E27FC236}">
+                <a16:creationId xmlns:a16="http://schemas.microsoft.com/office/drawing/2014/main" id="{07795864-EA50-054B-A21C-31E03C00C58D}"/>
+              </a:ext>
+            </a:extLst>
+          </p:cNvPr>
+          <p:cNvPicPr>
+            <a:picLocks noChangeAspect="1"/>
+          </p:cNvPicPr>
+          <p:nvPr/>
+        </p:nvPicPr>
+        <p:blipFill>
+          <a:blip r:embed="rId4"/>
+          <a:stretch>
+            <a:fillRect/>
+          </a:stretch>
+        </p:blipFill>
+        <p:spPr>
+          <a:xfrm flipV="1">
+            <a:off x="5117296" y="3271600"/>
+            <a:ext cx="844074" cy="844074"/>
+          </a:xfrm>
+          <a:prstGeom prst="rect">
+            <a:avLst/>
+          </a:prstGeom>
+        </p:spPr>
+      </p:pic>
+      <p:pic>
+        <p:nvPicPr>
+          <p:cNvPr id="7" name="Picture 6">
+            <a:extLst>
+              <a:ext uri="{FF2B5EF4-FFF2-40B4-BE49-F238E27FC236}">
+                <a16:creationId xmlns:a16="http://schemas.microsoft.com/office/drawing/2014/main" id="{71BBF78E-3110-D340-948C-9DD3F51841B5}"/>
+              </a:ext>
+            </a:extLst>
+          </p:cNvPr>
+          <p:cNvPicPr>
+            <a:picLocks noChangeAspect="1"/>
+          </p:cNvPicPr>
+          <p:nvPr/>
+        </p:nvPicPr>
+        <p:blipFill>
+          <a:blip r:embed="rId5"/>
+          <a:stretch>
+            <a:fillRect/>
+          </a:stretch>
+        </p:blipFill>
+        <p:spPr>
+          <a:xfrm>
+            <a:off x="2260600" y="1537497"/>
+            <a:ext cx="6557467" cy="1267777"/>
+          </a:xfrm>
+          <a:prstGeom prst="rect">
+            <a:avLst/>
+          </a:prstGeom>
+        </p:spPr>
+      </p:pic>
+      <p:sp>
+        <p:nvSpPr>
+          <p:cNvPr id="8" name="TextBox 7">
+            <a:extLst>
+              <a:ext uri="{FF2B5EF4-FFF2-40B4-BE49-F238E27FC236}">
+                <a16:creationId xmlns:a16="http://schemas.microsoft.com/office/drawing/2014/main" id="{8F985B41-E026-074B-A93B-643C7A39C6C2}"/>
+              </a:ext>
+            </a:extLst>
+          </p:cNvPr>
+          <p:cNvSpPr txBox="1"/>
+          <p:nvPr/>
+        </p:nvSpPr>
+        <p:spPr>
+          <a:xfrm>
+            <a:off x="2011680" y="5638800"/>
+            <a:ext cx="2261901" cy="369332"/>
+          </a:xfrm>
+          <a:prstGeom prst="rect">
+            <a:avLst/>
+          </a:prstGeom>
+          <a:noFill/>
+        </p:spPr>
+        <p:txBody>
+          <a:bodyPr wrap="none" rtlCol="0">
+            <a:spAutoFit/>
+          </a:bodyPr>
+          <a:lstStyle/>
+          <a:p>
+            <a:r>
+              <a:rPr lang="en-US" dirty="0"/>
+              <a:t>Models, metrics, tools</a:t>
+            </a:r>
           </a:p>
         </p:txBody>
       </p:sp>
@@ -3653,7 +3793,7 @@
           <a:p>
             <a:r>
               <a:rPr lang="en-US" dirty="0"/>
-              <a:t>Results</a:t>
+              <a:t>Results - Location</a:t>
             </a:r>
           </a:p>
         </p:txBody>
@@ -3679,7 +3819,13 @@
           <a:bodyPr/>
           <a:lstStyle/>
           <a:p>
-            <a:endParaRPr lang="en-US"/>
+            <a:r>
+              <a:rPr lang="en-US" dirty="0"/>
+              <a:t>Heat Maps – 1) Overall subway traffic, 2) Subway Stations in high heat regions, 3) ID subway stations near the tech/health Map</a:t>
+            </a:r>
+          </a:p>
+          <a:p>
+            <a:endParaRPr lang="en-US" dirty="0"/>
           </a:p>
         </p:txBody>
       </p:sp>
@@ -3718,7 +3864,7 @@
           <p:cNvPr id="2" name="Title 1">
             <a:extLst>
               <a:ext uri="{FF2B5EF4-FFF2-40B4-BE49-F238E27FC236}">
-                <a16:creationId xmlns:a16="http://schemas.microsoft.com/office/drawing/2014/main" id="{607633CC-1C2E-C644-A865-085F6888DA06}"/>
+                <a16:creationId xmlns:a16="http://schemas.microsoft.com/office/drawing/2014/main" id="{A3073A9A-C510-9A41-9732-CEA7F2B33FF7}"/>
               </a:ext>
             </a:extLst>
           </p:cNvPr>
@@ -3736,7 +3882,7 @@
           <a:p>
             <a:r>
               <a:rPr lang="en-US" dirty="0"/>
-              <a:t>Our Recommendations</a:t>
+              <a:t>Results – Day &amp; Time</a:t>
             </a:r>
           </a:p>
         </p:txBody>
@@ -3746,7 +3892,7 @@
           <p:cNvPr id="3" name="Content Placeholder 2">
             <a:extLst>
               <a:ext uri="{FF2B5EF4-FFF2-40B4-BE49-F238E27FC236}">
-                <a16:creationId xmlns:a16="http://schemas.microsoft.com/office/drawing/2014/main" id="{7936CDE5-CA56-CE4C-980A-E990FD167867}"/>
+                <a16:creationId xmlns:a16="http://schemas.microsoft.com/office/drawing/2014/main" id="{AFB22122-2850-2945-BDB4-96AE460DE9F1}"/>
               </a:ext>
             </a:extLst>
           </p:cNvPr>
@@ -3762,14 +3908,47 @@
           <a:bodyPr/>
           <a:lstStyle/>
           <a:p>
-            <a:endParaRPr lang="en-US"/>
+            <a:r>
+              <a:rPr lang="en-US" dirty="0"/>
+              <a:t>Weekdays</a:t>
+            </a:r>
+          </a:p>
+          <a:p>
+            <a:pPr lvl="1"/>
+            <a:r>
+              <a:rPr lang="en-US" dirty="0"/>
+              <a:t>Tourists vs. Commuters</a:t>
+            </a:r>
+          </a:p>
+          <a:p>
+            <a:pPr lvl="1"/>
+            <a:r>
+              <a:rPr lang="en-US" dirty="0"/>
+              <a:t>Bar Graph – Highest Weekdays</a:t>
+            </a:r>
+          </a:p>
+          <a:p>
+            <a:r>
+              <a:rPr lang="en-US" dirty="0"/>
+              <a:t>Morning &amp; Evenings in Manhattan</a:t>
+            </a:r>
+          </a:p>
+          <a:p>
+            <a:pPr lvl="1"/>
+            <a:r>
+              <a:rPr lang="en-US" dirty="0"/>
+              <a:t>Bar Graph – Average by Hour of Day</a:t>
+            </a:r>
+          </a:p>
+          <a:p>
+            <a:endParaRPr lang="en-US" dirty="0"/>
           </a:p>
         </p:txBody>
       </p:sp>
     </p:spTree>
     <p:extLst>
       <p:ext uri="{BB962C8B-B14F-4D97-AF65-F5344CB8AC3E}">
-        <p14:creationId xmlns:p14="http://schemas.microsoft.com/office/powerpoint/2010/main" val="1651043770"/>
+        <p14:creationId xmlns:p14="http://schemas.microsoft.com/office/powerpoint/2010/main" val="199692261"/>
       </p:ext>
     </p:extLst>
   </p:cSld>
@@ -3801,6 +3980,89 @@
           <p:cNvPr id="2" name="Title 1">
             <a:extLst>
               <a:ext uri="{FF2B5EF4-FFF2-40B4-BE49-F238E27FC236}">
+                <a16:creationId xmlns:a16="http://schemas.microsoft.com/office/drawing/2014/main" id="{607633CC-1C2E-C644-A865-085F6888DA06}"/>
+              </a:ext>
+            </a:extLst>
+          </p:cNvPr>
+          <p:cNvSpPr>
+            <a:spLocks noGrp="1"/>
+          </p:cNvSpPr>
+          <p:nvPr>
+            <p:ph type="title"/>
+          </p:nvPr>
+        </p:nvSpPr>
+        <p:spPr/>
+        <p:txBody>
+          <a:bodyPr/>
+          <a:lstStyle/>
+          <a:p>
+            <a:r>
+              <a:rPr lang="en-US" dirty="0"/>
+              <a:t>Our Recommendations</a:t>
+            </a:r>
+          </a:p>
+        </p:txBody>
+      </p:sp>
+      <p:sp>
+        <p:nvSpPr>
+          <p:cNvPr id="3" name="Content Placeholder 2">
+            <a:extLst>
+              <a:ext uri="{FF2B5EF4-FFF2-40B4-BE49-F238E27FC236}">
+                <a16:creationId xmlns:a16="http://schemas.microsoft.com/office/drawing/2014/main" id="{7936CDE5-CA56-CE4C-980A-E990FD167867}"/>
+              </a:ext>
+            </a:extLst>
+          </p:cNvPr>
+          <p:cNvSpPr>
+            <a:spLocks noGrp="1"/>
+          </p:cNvSpPr>
+          <p:nvPr>
+            <p:ph idx="1"/>
+          </p:nvPr>
+        </p:nvSpPr>
+        <p:spPr/>
+        <p:txBody>
+          <a:bodyPr/>
+          <a:lstStyle/>
+          <a:p>
+            <a:endParaRPr lang="en-US"/>
+          </a:p>
+        </p:txBody>
+      </p:sp>
+    </p:spTree>
+    <p:extLst>
+      <p:ext uri="{BB962C8B-B14F-4D97-AF65-F5344CB8AC3E}">
+        <p14:creationId xmlns:p14="http://schemas.microsoft.com/office/powerpoint/2010/main" val="1651043770"/>
+      </p:ext>
+    </p:extLst>
+  </p:cSld>
+  <p:clrMapOvr>
+    <a:masterClrMapping/>
+  </p:clrMapOvr>
+</p:sld>
+</file>
+
+<file path=ppt/slides/slide7.xml><?xml version="1.0" encoding="utf-8"?>
+<p:sld xmlns:a="http://schemas.openxmlformats.org/drawingml/2006/main" xmlns:r="http://schemas.openxmlformats.org/officeDocument/2006/relationships" xmlns:p="http://schemas.openxmlformats.org/presentationml/2006/main">
+  <p:cSld>
+    <p:spTree>
+      <p:nvGrpSpPr>
+        <p:cNvPr id="1" name=""/>
+        <p:cNvGrpSpPr/>
+        <p:nvPr/>
+      </p:nvGrpSpPr>
+      <p:grpSpPr>
+        <a:xfrm>
+          <a:off x="0" y="0"/>
+          <a:ext cx="0" cy="0"/>
+          <a:chOff x="0" y="0"/>
+          <a:chExt cx="0" cy="0"/>
+        </a:xfrm>
+      </p:grpSpPr>
+      <p:sp>
+        <p:nvSpPr>
+          <p:cNvPr id="2" name="Title 1">
+            <a:extLst>
+              <a:ext uri="{FF2B5EF4-FFF2-40B4-BE49-F238E27FC236}">
                 <a16:creationId xmlns:a16="http://schemas.microsoft.com/office/drawing/2014/main" id="{5B8D97F9-BDF0-6C41-813D-B79464127563}"/>
               </a:ext>
             </a:extLst>
@@ -3847,7 +4109,13 @@
           <a:p>
             <a:r>
               <a:rPr lang="en-US" dirty="0"/>
-              <a:t>We would take into consideration the location of the gala and additionally place street teams by the closest subway stations</a:t>
+              <a:t>We would take into consideration the location of the gala and additionally place street teams by the closest subway stations.</a:t>
+            </a:r>
+          </a:p>
+          <a:p>
+            <a:r>
+              <a:rPr lang="en-US" dirty="0"/>
+              <a:t>Since we don’t have information on WTWY’s resources, we have provided a scalable solution. For future events, we can expand on our station selections based on number of street teams.</a:t>
             </a:r>
           </a:p>
           <a:p>
@@ -3871,7 +4139,7 @@
 </p:sld>
 </file>
 
-<file path=ppt/slides/slide7.xml><?xml version="1.0" encoding="utf-8"?>
+<file path=ppt/slides/slide8.xml><?xml version="1.0" encoding="utf-8"?>
 <p:sld xmlns:a="http://schemas.openxmlformats.org/drawingml/2006/main" xmlns:r="http://schemas.openxmlformats.org/officeDocument/2006/relationships" xmlns:p="http://schemas.openxmlformats.org/presentationml/2006/main">
   <p:cSld>
     <p:spTree>
